--- a/base_figures/Bioinfo_Staff.pptx
+++ b/base_figures/Bioinfo_Staff.pptx
@@ -104,6 +104,11 @@
       </a:defRPr>
     </a:lvl9pPr>
   </p:defaultTextStyle>
+  <p:extLst>
+    <p:ext uri="{EFAFB233-063F-42B5-8137-9DF3F51BA10A}">
+      <p15:sldGuideLst xmlns:p15="http://schemas.microsoft.com/office/powerpoint/2012/main"/>
+    </p:ext>
+  </p:extLst>
 </p:presentation>
 </file>
 
@@ -3348,10 +3353,10 @@
       </p:sp>
       <p:grpSp>
         <p:nvGrpSpPr>
-          <p:cNvPr id="26" name="Group 25">
-            <a:extLst>
-              <a:ext uri="{FF2B5EF4-FFF2-40B4-BE49-F238E27FC236}">
-                <a16:creationId xmlns:a16="http://schemas.microsoft.com/office/drawing/2014/main" id="{94AF844B-1077-3C48-A500-73E33D66F988}"/>
+          <p:cNvPr id="5" name="Group 4">
+            <a:extLst>
+              <a:ext uri="{FF2B5EF4-FFF2-40B4-BE49-F238E27FC236}">
+                <a16:creationId xmlns:a16="http://schemas.microsoft.com/office/drawing/2014/main" id="{BC9C6E7C-6E7C-0649-9613-413B1FCABB22}"/>
               </a:ext>
             </a:extLst>
           </p:cNvPr>
@@ -3360,932 +3365,911 @@
         </p:nvGrpSpPr>
         <p:grpSpPr>
           <a:xfrm>
-            <a:off x="828733" y="1519868"/>
-            <a:ext cx="10658271" cy="4729745"/>
-            <a:chOff x="828733" y="1519868"/>
-            <a:chExt cx="10658271" cy="4729745"/>
+            <a:off x="359813" y="1519868"/>
+            <a:ext cx="11670915" cy="4973007"/>
+            <a:chOff x="359813" y="1519868"/>
+            <a:chExt cx="11670915" cy="4973007"/>
           </a:xfrm>
         </p:grpSpPr>
-        <p:grpSp>
-          <p:nvGrpSpPr>
-            <p:cNvPr id="3" name="Group 2">
+        <p:sp>
+          <p:nvSpPr>
+            <p:cNvPr id="4" name="Rectangle 3">
               <a:extLst>
                 <a:ext uri="{FF2B5EF4-FFF2-40B4-BE49-F238E27FC236}">
-                  <a16:creationId xmlns:a16="http://schemas.microsoft.com/office/drawing/2014/main" id="{A0C601F2-833E-694C-ABF1-97C607F3840C}"/>
+                  <a16:creationId xmlns:a16="http://schemas.microsoft.com/office/drawing/2014/main" id="{440FE0E2-91A7-084C-B967-88363CDBCA33}"/>
                 </a:ext>
               </a:extLst>
             </p:cNvPr>
-            <p:cNvGrpSpPr/>
+            <p:cNvSpPr/>
             <p:nvPr/>
-          </p:nvGrpSpPr>
-          <p:grpSpPr>
+          </p:nvSpPr>
+          <p:spPr>
             <a:xfrm>
-              <a:off x="828733" y="1519868"/>
-              <a:ext cx="10658271" cy="4729745"/>
-              <a:chOff x="828733" y="1519868"/>
-              <a:chExt cx="10658271" cy="4729745"/>
+              <a:off x="359813" y="2285626"/>
+              <a:ext cx="3840480" cy="4207249"/>
             </a:xfrm>
-          </p:grpSpPr>
-          <p:sp>
-            <p:nvSpPr>
-              <p:cNvPr id="4" name="Rectangle 3">
-                <a:extLst>
-                  <a:ext uri="{FF2B5EF4-FFF2-40B4-BE49-F238E27FC236}">
-                    <a16:creationId xmlns:a16="http://schemas.microsoft.com/office/drawing/2014/main" id="{440FE0E2-91A7-084C-B967-88363CDBCA33}"/>
-                  </a:ext>
-                </a:extLst>
-              </p:cNvPr>
-              <p:cNvSpPr/>
-              <p:nvPr/>
-            </p:nvSpPr>
-            <p:spPr>
-              <a:xfrm>
-                <a:off x="828733" y="2285626"/>
-                <a:ext cx="3517799" cy="3963987"/>
-              </a:xfrm>
-              <a:prstGeom prst="rect">
-                <a:avLst/>
-              </a:prstGeom>
-              <a:solidFill>
-                <a:schemeClr val="accent1">
-                  <a:alpha val="50000"/>
-                </a:schemeClr>
-              </a:solidFill>
-            </p:spPr>
-            <p:style>
-              <a:lnRef idx="2">
-                <a:schemeClr val="accent1">
-                  <a:shade val="50000"/>
-                </a:schemeClr>
-              </a:lnRef>
-              <a:fillRef idx="1">
-                <a:schemeClr val="accent1"/>
-              </a:fillRef>
-              <a:effectRef idx="0">
-                <a:schemeClr val="accent1"/>
-              </a:effectRef>
-              <a:fontRef idx="minor">
-                <a:schemeClr val="lt1"/>
-              </a:fontRef>
-            </p:style>
-            <p:txBody>
-              <a:bodyPr rtlCol="0" anchor="ctr"/>
-              <a:lstStyle/>
-              <a:p>
-                <a:pPr algn="ctr"/>
-                <a:endParaRPr lang="en-US" dirty="0"/>
-              </a:p>
-            </p:txBody>
-          </p:sp>
-          <p:sp>
-            <p:nvSpPr>
-              <p:cNvPr id="6" name="TextBox 5">
-                <a:extLst>
-                  <a:ext uri="{FF2B5EF4-FFF2-40B4-BE49-F238E27FC236}">
-                    <a16:creationId xmlns:a16="http://schemas.microsoft.com/office/drawing/2014/main" id="{D3078C73-B612-C749-B7FF-B27CE68F8220}"/>
-                  </a:ext>
-                </a:extLst>
-              </p:cNvPr>
-              <p:cNvSpPr txBox="1"/>
-              <p:nvPr/>
-            </p:nvSpPr>
-            <p:spPr>
-              <a:xfrm>
-                <a:off x="3062514" y="1519868"/>
-                <a:ext cx="2830286" cy="646331"/>
-              </a:xfrm>
-              <a:prstGeom prst="rect">
-                <a:avLst/>
-              </a:prstGeom>
-              <a:noFill/>
-            </p:spPr>
-            <p:txBody>
-              <a:bodyPr wrap="square" rtlCol="0">
-                <a:spAutoFit/>
-              </a:bodyPr>
-              <a:lstStyle/>
-              <a:p>
-                <a:pPr algn="ctr"/>
-                <a:r>
-                  <a:rPr lang="en-US" b="1" dirty="0"/>
-                  <a:t>Core Facility Manager</a:t>
-                </a:r>
-              </a:p>
-              <a:p>
-                <a:pPr algn="ctr"/>
-                <a:r>
-                  <a:rPr lang="en-US" dirty="0"/>
-                  <a:t>Dr. Matt Settles</a:t>
-                </a:r>
-              </a:p>
-            </p:txBody>
-          </p:sp>
-          <p:sp>
-            <p:nvSpPr>
-              <p:cNvPr id="7" name="TextBox 6">
-                <a:extLst>
-                  <a:ext uri="{FF2B5EF4-FFF2-40B4-BE49-F238E27FC236}">
-                    <a16:creationId xmlns:a16="http://schemas.microsoft.com/office/drawing/2014/main" id="{4D6A2649-A224-7A45-A422-8FE6DE4B4E39}"/>
-                  </a:ext>
-                </a:extLst>
-              </p:cNvPr>
-              <p:cNvSpPr txBox="1"/>
-              <p:nvPr/>
-            </p:nvSpPr>
-            <p:spPr>
-              <a:xfrm>
-                <a:off x="7148302" y="1530045"/>
-                <a:ext cx="2385703" cy="646331"/>
-              </a:xfrm>
-              <a:prstGeom prst="rect">
-                <a:avLst/>
-              </a:prstGeom>
-              <a:noFill/>
-            </p:spPr>
-            <p:txBody>
-              <a:bodyPr wrap="square" rtlCol="0">
-                <a:spAutoFit/>
-              </a:bodyPr>
-              <a:lstStyle/>
-              <a:p>
-                <a:pPr algn="ctr"/>
-                <a:r>
-                  <a:rPr lang="en-US" b="1" dirty="0"/>
-                  <a:t>Faculty Advisor</a:t>
-                </a:r>
-              </a:p>
-              <a:p>
-                <a:pPr algn="ctr"/>
-                <a:r>
-                  <a:rPr lang="en-US" dirty="0"/>
-                  <a:t>Dr. Ian Korf</a:t>
-                </a:r>
-              </a:p>
-            </p:txBody>
-          </p:sp>
-          <p:sp>
-            <p:nvSpPr>
-              <p:cNvPr id="8" name="TextBox 7">
-                <a:extLst>
-                  <a:ext uri="{FF2B5EF4-FFF2-40B4-BE49-F238E27FC236}">
-                    <a16:creationId xmlns:a16="http://schemas.microsoft.com/office/drawing/2014/main" id="{90B0109E-1358-674A-8A03-9DD76E12E9F3}"/>
-                  </a:ext>
-                </a:extLst>
-              </p:cNvPr>
-              <p:cNvSpPr txBox="1"/>
-              <p:nvPr/>
-            </p:nvSpPr>
-            <p:spPr>
-              <a:xfrm rot="16200000">
-                <a:off x="-629661" y="3946666"/>
-                <a:ext cx="3286125" cy="369332"/>
-              </a:xfrm>
-              <a:prstGeom prst="rect">
-                <a:avLst/>
-              </a:prstGeom>
-              <a:noFill/>
-            </p:spPr>
-            <p:txBody>
-              <a:bodyPr wrap="square" rtlCol="0">
-                <a:spAutoFit/>
-              </a:bodyPr>
-              <a:lstStyle/>
-              <a:p>
-                <a:pPr algn="ctr"/>
-                <a:r>
-                  <a:rPr lang="en-US" b="1" dirty="0"/>
-                  <a:t>Data Analysis Group</a:t>
-                </a:r>
-              </a:p>
-            </p:txBody>
-          </p:sp>
-          <p:sp>
-            <p:nvSpPr>
-              <p:cNvPr id="9" name="TextBox 8">
-                <a:extLst>
-                  <a:ext uri="{FF2B5EF4-FFF2-40B4-BE49-F238E27FC236}">
-                    <a16:creationId xmlns:a16="http://schemas.microsoft.com/office/drawing/2014/main" id="{067F403F-C502-774A-B9D1-902EA59AB282}"/>
-                  </a:ext>
-                </a:extLst>
-              </p:cNvPr>
-              <p:cNvSpPr txBox="1"/>
-              <p:nvPr/>
-            </p:nvSpPr>
-            <p:spPr>
-              <a:xfrm>
-                <a:off x="1384877" y="2507722"/>
-                <a:ext cx="1843088" cy="369332"/>
-              </a:xfrm>
-              <a:prstGeom prst="rect">
-                <a:avLst/>
-              </a:prstGeom>
-              <a:noFill/>
-            </p:spPr>
-            <p:txBody>
-              <a:bodyPr wrap="square" rtlCol="0">
-                <a:spAutoFit/>
-              </a:bodyPr>
-              <a:lstStyle/>
-              <a:p>
-                <a:r>
-                  <a:rPr lang="en-US" b="1" dirty="0"/>
-                  <a:t>Data Analysts</a:t>
-                </a:r>
-              </a:p>
-            </p:txBody>
-          </p:sp>
-          <p:sp>
-            <p:nvSpPr>
-              <p:cNvPr id="10" name="TextBox 9">
-                <a:extLst>
-                  <a:ext uri="{FF2B5EF4-FFF2-40B4-BE49-F238E27FC236}">
-                    <a16:creationId xmlns:a16="http://schemas.microsoft.com/office/drawing/2014/main" id="{15B3DA25-494E-334F-B139-C3CFBC566C7E}"/>
-                  </a:ext>
-                </a:extLst>
-              </p:cNvPr>
-              <p:cNvSpPr txBox="1"/>
-              <p:nvPr/>
-            </p:nvSpPr>
-            <p:spPr>
-              <a:xfrm>
-                <a:off x="1384877" y="2877054"/>
-                <a:ext cx="1843088" cy="830997"/>
-              </a:xfrm>
-              <a:prstGeom prst="rect">
-                <a:avLst/>
-              </a:prstGeom>
-              <a:noFill/>
-            </p:spPr>
-            <p:txBody>
-              <a:bodyPr wrap="square" rtlCol="0">
-                <a:spAutoFit/>
-              </a:bodyPr>
-              <a:lstStyle/>
-              <a:p>
-                <a:r>
-                  <a:rPr lang="en-US" sz="1600" dirty="0"/>
-                  <a:t>Dr. Jessie Li</a:t>
-                </a:r>
-              </a:p>
-              <a:p>
-                <a:r>
-                  <a:rPr lang="en-US" sz="1600" dirty="0"/>
-                  <a:t>Dr. Monica Britton</a:t>
-                </a:r>
-              </a:p>
-              <a:p>
-                <a:r>
-                  <a:rPr lang="en-US" sz="1600" dirty="0"/>
-                  <a:t>Nik Joshi (75%)</a:t>
-                </a:r>
-              </a:p>
-            </p:txBody>
-          </p:sp>
-          <p:sp>
-            <p:nvSpPr>
-              <p:cNvPr id="11" name="TextBox 10">
-                <a:extLst>
-                  <a:ext uri="{FF2B5EF4-FFF2-40B4-BE49-F238E27FC236}">
-                    <a16:creationId xmlns:a16="http://schemas.microsoft.com/office/drawing/2014/main" id="{9C3814BD-0AE3-054B-A72A-34601EBC52A9}"/>
-                  </a:ext>
-                </a:extLst>
-              </p:cNvPr>
-              <p:cNvSpPr txBox="1"/>
-              <p:nvPr/>
-            </p:nvSpPr>
-            <p:spPr>
-              <a:xfrm>
-                <a:off x="1384877" y="3898288"/>
-                <a:ext cx="1843088" cy="369332"/>
-              </a:xfrm>
-              <a:prstGeom prst="rect">
-                <a:avLst/>
-              </a:prstGeom>
-              <a:noFill/>
-            </p:spPr>
-            <p:txBody>
-              <a:bodyPr wrap="square" rtlCol="0">
-                <a:spAutoFit/>
-              </a:bodyPr>
-              <a:lstStyle/>
-              <a:p>
-                <a:r>
-                  <a:rPr lang="en-US" b="1" dirty="0"/>
-                  <a:t>Biostatistics</a:t>
-                </a:r>
-              </a:p>
-            </p:txBody>
-          </p:sp>
-          <p:sp>
-            <p:nvSpPr>
-              <p:cNvPr id="12" name="TextBox 11">
-                <a:extLst>
-                  <a:ext uri="{FF2B5EF4-FFF2-40B4-BE49-F238E27FC236}">
-                    <a16:creationId xmlns:a16="http://schemas.microsoft.com/office/drawing/2014/main" id="{66894648-8A6F-C243-B5A9-9A8DA547E0D5}"/>
-                  </a:ext>
-                </a:extLst>
-              </p:cNvPr>
-              <p:cNvSpPr txBox="1"/>
-              <p:nvPr/>
-            </p:nvSpPr>
-            <p:spPr>
-              <a:xfrm>
-                <a:off x="1384876" y="4245670"/>
-                <a:ext cx="3018874" cy="338554"/>
-              </a:xfrm>
-              <a:prstGeom prst="rect">
-                <a:avLst/>
-              </a:prstGeom>
-              <a:noFill/>
-            </p:spPr>
-            <p:txBody>
-              <a:bodyPr wrap="square" rtlCol="0">
-                <a:spAutoFit/>
-              </a:bodyPr>
-              <a:lstStyle/>
-              <a:p>
-                <a:r>
-                  <a:rPr lang="en-US" sz="1600" dirty="0"/>
-                  <a:t>Dr. Blythe Durbin-Johnson (40%)</a:t>
-                </a:r>
-              </a:p>
-            </p:txBody>
-          </p:sp>
-          <p:sp>
-            <p:nvSpPr>
-              <p:cNvPr id="13" name="TextBox 12">
-                <a:extLst>
-                  <a:ext uri="{FF2B5EF4-FFF2-40B4-BE49-F238E27FC236}">
-                    <a16:creationId xmlns:a16="http://schemas.microsoft.com/office/drawing/2014/main" id="{B6B1AED1-716F-2148-BC8F-AB87EE43DBEC}"/>
-                  </a:ext>
-                </a:extLst>
-              </p:cNvPr>
-              <p:cNvSpPr txBox="1"/>
-              <p:nvPr/>
-            </p:nvSpPr>
-            <p:spPr>
-              <a:xfrm>
-                <a:off x="1384877" y="5338856"/>
-                <a:ext cx="2462730" cy="830997"/>
-              </a:xfrm>
-              <a:prstGeom prst="rect">
-                <a:avLst/>
-              </a:prstGeom>
-              <a:noFill/>
-            </p:spPr>
-            <p:txBody>
-              <a:bodyPr wrap="square" rtlCol="0">
-                <a:spAutoFit/>
-              </a:bodyPr>
-              <a:lstStyle/>
-              <a:p>
-                <a:r>
-                  <a:rPr lang="en-US" sz="1600" dirty="0"/>
-                  <a:t>Undergraduate assistant(s)</a:t>
-                </a:r>
-              </a:p>
-              <a:p>
-                <a:r>
-                  <a:rPr lang="en-US" sz="1600" dirty="0"/>
-                  <a:t>Volunteers</a:t>
-                </a:r>
-              </a:p>
-              <a:p>
-                <a:r>
-                  <a:rPr lang="en-US" sz="1600" dirty="0"/>
-                  <a:t>Visiting scholars</a:t>
-                </a:r>
-              </a:p>
-            </p:txBody>
-          </p:sp>
-          <p:sp>
-            <p:nvSpPr>
-              <p:cNvPr id="14" name="Rectangle 13">
-                <a:extLst>
-                  <a:ext uri="{FF2B5EF4-FFF2-40B4-BE49-F238E27FC236}">
-                    <a16:creationId xmlns:a16="http://schemas.microsoft.com/office/drawing/2014/main" id="{DEC25D77-07CC-6C4B-9894-8BA18EE7A864}"/>
-                  </a:ext>
-                </a:extLst>
-              </p:cNvPr>
-              <p:cNvSpPr/>
-              <p:nvPr/>
-            </p:nvSpPr>
-            <p:spPr>
-              <a:xfrm>
-                <a:off x="4665010" y="2285626"/>
-                <a:ext cx="3459066" cy="3963987"/>
-              </a:xfrm>
-              <a:prstGeom prst="rect">
-                <a:avLst/>
-              </a:prstGeom>
-              <a:solidFill>
-                <a:schemeClr val="accent6">
-                  <a:alpha val="50000"/>
-                </a:schemeClr>
-              </a:solidFill>
-            </p:spPr>
-            <p:style>
-              <a:lnRef idx="2">
-                <a:schemeClr val="accent1">
-                  <a:shade val="50000"/>
-                </a:schemeClr>
-              </a:lnRef>
-              <a:fillRef idx="1">
-                <a:schemeClr val="accent1"/>
-              </a:fillRef>
-              <a:effectRef idx="0">
-                <a:schemeClr val="accent1"/>
-              </a:effectRef>
-              <a:fontRef idx="minor">
-                <a:schemeClr val="lt1"/>
-              </a:fontRef>
-            </p:style>
-            <p:txBody>
-              <a:bodyPr rtlCol="0" anchor="ctr"/>
-              <a:lstStyle/>
-              <a:p>
-                <a:pPr algn="ctr"/>
-                <a:endParaRPr lang="en-US"/>
-              </a:p>
-            </p:txBody>
-          </p:sp>
-          <p:sp>
-            <p:nvSpPr>
-              <p:cNvPr id="15" name="TextBox 14">
-                <a:extLst>
-                  <a:ext uri="{FF2B5EF4-FFF2-40B4-BE49-F238E27FC236}">
-                    <a16:creationId xmlns:a16="http://schemas.microsoft.com/office/drawing/2014/main" id="{D16FE3E0-006A-244E-A41D-DF4996D46B43}"/>
-                  </a:ext>
-                </a:extLst>
-              </p:cNvPr>
-              <p:cNvSpPr txBox="1"/>
-              <p:nvPr/>
-            </p:nvSpPr>
-            <p:spPr>
-              <a:xfrm rot="16200000">
-                <a:off x="3192325" y="3946665"/>
-                <a:ext cx="3286125" cy="369332"/>
-              </a:xfrm>
-              <a:prstGeom prst="rect">
-                <a:avLst/>
-              </a:prstGeom>
-              <a:noFill/>
-            </p:spPr>
-            <p:txBody>
-              <a:bodyPr wrap="square" rtlCol="0">
-                <a:spAutoFit/>
-              </a:bodyPr>
-              <a:lstStyle/>
-              <a:p>
-                <a:pPr algn="ctr"/>
-                <a:r>
-                  <a:rPr lang="en-US" b="1" dirty="0"/>
-                  <a:t>Research Computing Group</a:t>
-                </a:r>
-              </a:p>
-            </p:txBody>
-          </p:sp>
-          <p:sp>
-            <p:nvSpPr>
-              <p:cNvPr id="16" name="TextBox 15">
-                <a:extLst>
-                  <a:ext uri="{FF2B5EF4-FFF2-40B4-BE49-F238E27FC236}">
-                    <a16:creationId xmlns:a16="http://schemas.microsoft.com/office/drawing/2014/main" id="{8E2953AD-F8FC-C04F-B7A8-A4974D2F2852}"/>
-                  </a:ext>
-                </a:extLst>
-              </p:cNvPr>
-              <p:cNvSpPr txBox="1"/>
-              <p:nvPr/>
-            </p:nvSpPr>
-            <p:spPr>
-              <a:xfrm>
-                <a:off x="5206862" y="2535517"/>
-                <a:ext cx="2917214" cy="369332"/>
-              </a:xfrm>
-              <a:prstGeom prst="rect">
-                <a:avLst/>
-              </a:prstGeom>
-              <a:noFill/>
-            </p:spPr>
-            <p:txBody>
-              <a:bodyPr wrap="square" rtlCol="0">
-                <a:spAutoFit/>
-              </a:bodyPr>
-              <a:lstStyle/>
-              <a:p>
-                <a:r>
-                  <a:rPr lang="en-US" b="1" dirty="0"/>
-                  <a:t>Systems Administration</a:t>
-                </a:r>
-              </a:p>
-            </p:txBody>
-          </p:sp>
-          <p:sp>
-            <p:nvSpPr>
-              <p:cNvPr id="17" name="TextBox 16">
-                <a:extLst>
-                  <a:ext uri="{FF2B5EF4-FFF2-40B4-BE49-F238E27FC236}">
-                    <a16:creationId xmlns:a16="http://schemas.microsoft.com/office/drawing/2014/main" id="{FF6DA30C-17B2-0541-9BD1-63C02CA3C6BD}"/>
-                  </a:ext>
-                </a:extLst>
-              </p:cNvPr>
-              <p:cNvSpPr txBox="1"/>
-              <p:nvPr/>
-            </p:nvSpPr>
-            <p:spPr>
-              <a:xfrm>
-                <a:off x="5206863" y="2877053"/>
-                <a:ext cx="2529094" cy="830997"/>
-              </a:xfrm>
-              <a:prstGeom prst="rect">
-                <a:avLst/>
-              </a:prstGeom>
-              <a:noFill/>
-            </p:spPr>
-            <p:txBody>
-              <a:bodyPr wrap="square" rtlCol="0">
-                <a:spAutoFit/>
-              </a:bodyPr>
-              <a:lstStyle/>
-              <a:p>
-                <a:r>
-                  <a:rPr lang="en-US" sz="1600" dirty="0"/>
-                  <a:t>Mike Lewis</a:t>
-                </a:r>
-              </a:p>
-              <a:p>
-                <a:r>
-                  <a:rPr lang="en-US" sz="1600" dirty="0"/>
-                  <a:t>Richard </a:t>
-                </a:r>
-                <a:r>
-                  <a:rPr lang="en-US" sz="1600" dirty="0" err="1"/>
-                  <a:t>Feltstykket</a:t>
-                </a:r>
-                <a:endParaRPr lang="en-US" sz="1600" dirty="0"/>
-              </a:p>
-              <a:p>
-                <a:r>
-                  <a:rPr lang="en-US" sz="1600" dirty="0"/>
-                  <a:t>Tom </a:t>
-                </a:r>
-                <a:r>
-                  <a:rPr lang="en-US" sz="1600" dirty="0" err="1"/>
-                  <a:t>Neubarth</a:t>
-                </a:r>
-                <a:endParaRPr lang="en-US" sz="1600" dirty="0"/>
-              </a:p>
-            </p:txBody>
-          </p:sp>
-          <p:sp>
-            <p:nvSpPr>
-              <p:cNvPr id="18" name="TextBox 17">
-                <a:extLst>
-                  <a:ext uri="{FF2B5EF4-FFF2-40B4-BE49-F238E27FC236}">
-                    <a16:creationId xmlns:a16="http://schemas.microsoft.com/office/drawing/2014/main" id="{77179934-A3A9-B941-9F0E-0B13DDCD3BFB}"/>
-                  </a:ext>
-                </a:extLst>
-              </p:cNvPr>
-              <p:cNvSpPr txBox="1"/>
-              <p:nvPr/>
-            </p:nvSpPr>
-            <p:spPr>
-              <a:xfrm>
-                <a:off x="5206863" y="4515800"/>
-                <a:ext cx="2529094" cy="369332"/>
-              </a:xfrm>
-              <a:prstGeom prst="rect">
-                <a:avLst/>
-              </a:prstGeom>
-              <a:noFill/>
-            </p:spPr>
-            <p:txBody>
-              <a:bodyPr wrap="square" rtlCol="0">
-                <a:spAutoFit/>
-              </a:bodyPr>
-              <a:lstStyle/>
-              <a:p>
-                <a:r>
-                  <a:rPr lang="en-US" b="1" dirty="0"/>
-                  <a:t>Applications</a:t>
-                </a:r>
-              </a:p>
-            </p:txBody>
-          </p:sp>
-          <p:sp>
-            <p:nvSpPr>
-              <p:cNvPr id="19" name="TextBox 18">
-                <a:extLst>
-                  <a:ext uri="{FF2B5EF4-FFF2-40B4-BE49-F238E27FC236}">
-                    <a16:creationId xmlns:a16="http://schemas.microsoft.com/office/drawing/2014/main" id="{FB50B063-AEB3-8649-99A0-33FC7856FC44}"/>
-                  </a:ext>
-                </a:extLst>
-              </p:cNvPr>
-              <p:cNvSpPr txBox="1"/>
-              <p:nvPr/>
-            </p:nvSpPr>
-            <p:spPr>
-              <a:xfrm>
-                <a:off x="5206863" y="4827559"/>
-                <a:ext cx="2529094" cy="338554"/>
-              </a:xfrm>
-              <a:prstGeom prst="rect">
-                <a:avLst/>
-              </a:prstGeom>
-              <a:noFill/>
-            </p:spPr>
-            <p:txBody>
-              <a:bodyPr wrap="square" rtlCol="0">
-                <a:spAutoFit/>
-              </a:bodyPr>
-              <a:lstStyle/>
-              <a:p>
-                <a:r>
-                  <a:rPr lang="en-US" sz="1600" dirty="0"/>
-                  <a:t>Adam </a:t>
-                </a:r>
-                <a:r>
-                  <a:rPr lang="en-US" sz="1600" dirty="0" err="1"/>
-                  <a:t>Schaal</a:t>
-                </a:r>
-                <a:r>
-                  <a:rPr lang="en-US" sz="1600" dirty="0"/>
-                  <a:t> (25%)</a:t>
-                </a:r>
-              </a:p>
-            </p:txBody>
-          </p:sp>
-          <p:sp>
-            <p:nvSpPr>
-              <p:cNvPr id="20" name="TextBox 19">
-                <a:extLst>
-                  <a:ext uri="{FF2B5EF4-FFF2-40B4-BE49-F238E27FC236}">
-                    <a16:creationId xmlns:a16="http://schemas.microsoft.com/office/drawing/2014/main" id="{BEF4A959-AB41-2248-85A4-BDE21390B659}"/>
-                  </a:ext>
-                </a:extLst>
-              </p:cNvPr>
-              <p:cNvSpPr txBox="1"/>
-              <p:nvPr/>
-            </p:nvSpPr>
-            <p:spPr>
-              <a:xfrm>
-                <a:off x="5134922" y="5379795"/>
-                <a:ext cx="2529094" cy="338554"/>
-              </a:xfrm>
-              <a:prstGeom prst="rect">
-                <a:avLst/>
-              </a:prstGeom>
-              <a:noFill/>
-            </p:spPr>
-            <p:txBody>
-              <a:bodyPr wrap="square" rtlCol="0">
-                <a:spAutoFit/>
-              </a:bodyPr>
-              <a:lstStyle/>
-              <a:p>
-                <a:r>
-                  <a:rPr lang="en-US" sz="1600" dirty="0"/>
-                  <a:t>Undergraduate assistant(s)</a:t>
-                </a:r>
-              </a:p>
-            </p:txBody>
-          </p:sp>
-          <p:sp>
-            <p:nvSpPr>
-              <p:cNvPr id="21" name="TextBox 20">
-                <a:extLst>
-                  <a:ext uri="{FF2B5EF4-FFF2-40B4-BE49-F238E27FC236}">
-                    <a16:creationId xmlns:a16="http://schemas.microsoft.com/office/drawing/2014/main" id="{662B2F39-75E8-2D43-A065-753E0F673A22}"/>
-                  </a:ext>
-                </a:extLst>
-              </p:cNvPr>
-              <p:cNvSpPr txBox="1"/>
-              <p:nvPr/>
-            </p:nvSpPr>
-            <p:spPr>
-              <a:xfrm>
-                <a:off x="5206862" y="3815123"/>
-                <a:ext cx="3113875" cy="369332"/>
-              </a:xfrm>
-              <a:prstGeom prst="rect">
-                <a:avLst/>
-              </a:prstGeom>
-              <a:noFill/>
-            </p:spPr>
-            <p:txBody>
-              <a:bodyPr wrap="square" rtlCol="0">
-                <a:spAutoFit/>
-              </a:bodyPr>
-              <a:lstStyle/>
-              <a:p>
-                <a:r>
-                  <a:rPr lang="en-US" b="1" dirty="0"/>
-                  <a:t>Software Maintenance</a:t>
-                </a:r>
-              </a:p>
-            </p:txBody>
-          </p:sp>
-          <p:sp>
-            <p:nvSpPr>
-              <p:cNvPr id="22" name="TextBox 21">
-                <a:extLst>
-                  <a:ext uri="{FF2B5EF4-FFF2-40B4-BE49-F238E27FC236}">
-                    <a16:creationId xmlns:a16="http://schemas.microsoft.com/office/drawing/2014/main" id="{A50F990B-D24B-8F49-A083-BAEBC837B68D}"/>
-                  </a:ext>
-                </a:extLst>
-              </p:cNvPr>
-              <p:cNvSpPr txBox="1"/>
-              <p:nvPr/>
-            </p:nvSpPr>
-            <p:spPr>
-              <a:xfrm>
-                <a:off x="5210957" y="4128864"/>
-                <a:ext cx="2529094" cy="338554"/>
-              </a:xfrm>
-              <a:prstGeom prst="rect">
-                <a:avLst/>
-              </a:prstGeom>
-              <a:noFill/>
-            </p:spPr>
-            <p:txBody>
-              <a:bodyPr wrap="square" rtlCol="0">
-                <a:spAutoFit/>
-              </a:bodyPr>
-              <a:lstStyle/>
-              <a:p>
-                <a:r>
-                  <a:rPr lang="en-US" sz="1600" dirty="0"/>
-                  <a:t>Nik Joshi (25%)</a:t>
-                </a:r>
-              </a:p>
-            </p:txBody>
-          </p:sp>
-          <p:sp>
-            <p:nvSpPr>
-              <p:cNvPr id="23" name="Rectangle 22">
-                <a:extLst>
-                  <a:ext uri="{FF2B5EF4-FFF2-40B4-BE49-F238E27FC236}">
-                    <a16:creationId xmlns:a16="http://schemas.microsoft.com/office/drawing/2014/main" id="{99626AB6-B4EA-8E49-9AB3-D01C1EEAB44F}"/>
-                  </a:ext>
-                </a:extLst>
-              </p:cNvPr>
-              <p:cNvSpPr/>
-              <p:nvPr/>
-            </p:nvSpPr>
-            <p:spPr>
-              <a:xfrm>
-                <a:off x="8373129" y="2263676"/>
-                <a:ext cx="3113875" cy="3963987"/>
-              </a:xfrm>
-              <a:prstGeom prst="rect">
-                <a:avLst/>
-              </a:prstGeom>
-              <a:solidFill>
-                <a:schemeClr val="accent2">
-                  <a:alpha val="50000"/>
-                </a:schemeClr>
-              </a:solidFill>
-            </p:spPr>
-            <p:style>
-              <a:lnRef idx="2">
-                <a:schemeClr val="accent1">
-                  <a:shade val="50000"/>
-                </a:schemeClr>
-              </a:lnRef>
-              <a:fillRef idx="1">
-                <a:schemeClr val="accent1"/>
-              </a:fillRef>
-              <a:effectRef idx="0">
-                <a:schemeClr val="accent1"/>
-              </a:effectRef>
-              <a:fontRef idx="minor">
-                <a:schemeClr val="lt1"/>
-              </a:fontRef>
-            </p:style>
-            <p:txBody>
-              <a:bodyPr rtlCol="0" anchor="ctr"/>
-              <a:lstStyle/>
-              <a:p>
-                <a:pPr algn="ctr"/>
-                <a:endParaRPr lang="en-US"/>
-              </a:p>
-            </p:txBody>
-          </p:sp>
-          <p:sp>
-            <p:nvSpPr>
-              <p:cNvPr id="24" name="TextBox 23">
-                <a:extLst>
-                  <a:ext uri="{FF2B5EF4-FFF2-40B4-BE49-F238E27FC236}">
-                    <a16:creationId xmlns:a16="http://schemas.microsoft.com/office/drawing/2014/main" id="{10D0866A-A233-F940-BB0C-B4A2D323B327}"/>
-                  </a:ext>
-                </a:extLst>
-              </p:cNvPr>
-              <p:cNvSpPr txBox="1"/>
-              <p:nvPr/>
-            </p:nvSpPr>
-            <p:spPr>
-              <a:xfrm rot="16200000">
-                <a:off x="6900444" y="3924715"/>
-                <a:ext cx="3286125" cy="369332"/>
-              </a:xfrm>
-              <a:prstGeom prst="rect">
-                <a:avLst/>
-              </a:prstGeom>
-              <a:noFill/>
-            </p:spPr>
-            <p:txBody>
-              <a:bodyPr wrap="square" rtlCol="0">
-                <a:spAutoFit/>
-              </a:bodyPr>
-              <a:lstStyle/>
-              <a:p>
-                <a:pPr algn="ctr"/>
-                <a:r>
-                  <a:rPr lang="en-US" b="1" dirty="0"/>
-                  <a:t>Software Development</a:t>
-                </a:r>
-              </a:p>
-            </p:txBody>
-          </p:sp>
-          <p:sp>
-            <p:nvSpPr>
-              <p:cNvPr id="25" name="TextBox 24">
-                <a:extLst>
-                  <a:ext uri="{FF2B5EF4-FFF2-40B4-BE49-F238E27FC236}">
-                    <a16:creationId xmlns:a16="http://schemas.microsoft.com/office/drawing/2014/main" id="{58BD027E-C636-C542-9C59-7F641F1EF7B1}"/>
-                  </a:ext>
-                </a:extLst>
-              </p:cNvPr>
-              <p:cNvSpPr txBox="1"/>
-              <p:nvPr/>
-            </p:nvSpPr>
-            <p:spPr>
-              <a:xfrm>
-                <a:off x="8914982" y="2485771"/>
-                <a:ext cx="2529094" cy="369332"/>
-              </a:xfrm>
-              <a:prstGeom prst="rect">
-                <a:avLst/>
-              </a:prstGeom>
-              <a:noFill/>
-            </p:spPr>
-            <p:txBody>
-              <a:bodyPr wrap="square" rtlCol="0">
-                <a:spAutoFit/>
-              </a:bodyPr>
-              <a:lstStyle/>
-              <a:p>
-                <a:r>
-                  <a:rPr lang="en-US" b="1" dirty="0"/>
-                  <a:t>Software</a:t>
-                </a:r>
-              </a:p>
-            </p:txBody>
-          </p:sp>
-          <p:sp>
-            <p:nvSpPr>
-              <p:cNvPr id="28" name="TextBox 27">
-                <a:extLst>
-                  <a:ext uri="{FF2B5EF4-FFF2-40B4-BE49-F238E27FC236}">
-                    <a16:creationId xmlns:a16="http://schemas.microsoft.com/office/drawing/2014/main" id="{F04E2736-BE5A-A046-A13F-57C5F491110D}"/>
-                  </a:ext>
-                </a:extLst>
-              </p:cNvPr>
-              <p:cNvSpPr txBox="1"/>
-              <p:nvPr/>
-            </p:nvSpPr>
-            <p:spPr>
-              <a:xfrm>
-                <a:off x="8914982" y="2834308"/>
-                <a:ext cx="2529094" cy="338554"/>
-              </a:xfrm>
-              <a:prstGeom prst="rect">
-                <a:avLst/>
-              </a:prstGeom>
-              <a:noFill/>
-            </p:spPr>
-            <p:txBody>
-              <a:bodyPr wrap="square" rtlCol="0">
-                <a:spAutoFit/>
-              </a:bodyPr>
-              <a:lstStyle/>
-              <a:p>
-                <a:r>
-                  <a:rPr lang="en-US" sz="1600" dirty="0"/>
-                  <a:t>Adam </a:t>
-                </a:r>
-                <a:r>
-                  <a:rPr lang="en-US" sz="1600" dirty="0" err="1"/>
-                  <a:t>Schaal</a:t>
-                </a:r>
-                <a:r>
-                  <a:rPr lang="en-US" sz="1600" dirty="0"/>
-                  <a:t> (75%)</a:t>
-                </a:r>
-              </a:p>
-            </p:txBody>
-          </p:sp>
-        </p:grpSp>
+            <a:prstGeom prst="rect">
+              <a:avLst/>
+            </a:prstGeom>
+            <a:solidFill>
+              <a:schemeClr val="accent1">
+                <a:alpha val="50000"/>
+              </a:schemeClr>
+            </a:solidFill>
+          </p:spPr>
+          <p:style>
+            <a:lnRef idx="2">
+              <a:schemeClr val="accent1">
+                <a:shade val="50000"/>
+              </a:schemeClr>
+            </a:lnRef>
+            <a:fillRef idx="1">
+              <a:schemeClr val="accent1"/>
+            </a:fillRef>
+            <a:effectRef idx="0">
+              <a:schemeClr val="accent1"/>
+            </a:effectRef>
+            <a:fontRef idx="minor">
+              <a:schemeClr val="lt1"/>
+            </a:fontRef>
+          </p:style>
+          <p:txBody>
+            <a:bodyPr rtlCol="0" anchor="ctr"/>
+            <a:lstStyle/>
+            <a:p>
+              <a:pPr algn="ctr"/>
+              <a:endParaRPr lang="en-US" dirty="0"/>
+            </a:p>
+          </p:txBody>
+        </p:sp>
+        <p:sp>
+          <p:nvSpPr>
+            <p:cNvPr id="6" name="TextBox 5">
+              <a:extLst>
+                <a:ext uri="{FF2B5EF4-FFF2-40B4-BE49-F238E27FC236}">
+                  <a16:creationId xmlns:a16="http://schemas.microsoft.com/office/drawing/2014/main" id="{D3078C73-B612-C749-B7FF-B27CE68F8220}"/>
+                </a:ext>
+              </a:extLst>
+            </p:cNvPr>
+            <p:cNvSpPr txBox="1"/>
+            <p:nvPr/>
+          </p:nvSpPr>
+          <p:spPr>
+            <a:xfrm>
+              <a:off x="3062514" y="1519868"/>
+              <a:ext cx="2830286" cy="646331"/>
+            </a:xfrm>
+            <a:prstGeom prst="rect">
+              <a:avLst/>
+            </a:prstGeom>
+            <a:noFill/>
+          </p:spPr>
+          <p:txBody>
+            <a:bodyPr wrap="square" rtlCol="0">
+              <a:spAutoFit/>
+            </a:bodyPr>
+            <a:lstStyle/>
+            <a:p>
+              <a:pPr algn="ctr"/>
+              <a:r>
+                <a:rPr lang="en-US" b="1" dirty="0"/>
+                <a:t>Core Facility Manager</a:t>
+              </a:r>
+            </a:p>
+            <a:p>
+              <a:pPr algn="ctr"/>
+              <a:r>
+                <a:rPr lang="en-US" dirty="0"/>
+                <a:t>Dr. Matt Settles</a:t>
+              </a:r>
+            </a:p>
+          </p:txBody>
+        </p:sp>
+        <p:sp>
+          <p:nvSpPr>
+            <p:cNvPr id="7" name="TextBox 6">
+              <a:extLst>
+                <a:ext uri="{FF2B5EF4-FFF2-40B4-BE49-F238E27FC236}">
+                  <a16:creationId xmlns:a16="http://schemas.microsoft.com/office/drawing/2014/main" id="{4D6A2649-A224-7A45-A422-8FE6DE4B4E39}"/>
+                </a:ext>
+              </a:extLst>
+            </p:cNvPr>
+            <p:cNvSpPr txBox="1"/>
+            <p:nvPr/>
+          </p:nvSpPr>
+          <p:spPr>
+            <a:xfrm>
+              <a:off x="7148302" y="1530045"/>
+              <a:ext cx="2385703" cy="646331"/>
+            </a:xfrm>
+            <a:prstGeom prst="rect">
+              <a:avLst/>
+            </a:prstGeom>
+            <a:noFill/>
+          </p:spPr>
+          <p:txBody>
+            <a:bodyPr wrap="square" rtlCol="0">
+              <a:spAutoFit/>
+            </a:bodyPr>
+            <a:lstStyle/>
+            <a:p>
+              <a:pPr algn="ctr"/>
+              <a:r>
+                <a:rPr lang="en-US" b="1" dirty="0"/>
+                <a:t>Faculty Advisor</a:t>
+              </a:r>
+            </a:p>
+            <a:p>
+              <a:pPr algn="ctr"/>
+              <a:r>
+                <a:rPr lang="en-US" dirty="0"/>
+                <a:t>Dr. Ian Korf</a:t>
+              </a:r>
+            </a:p>
+          </p:txBody>
+        </p:sp>
+        <p:sp>
+          <p:nvSpPr>
+            <p:cNvPr id="8" name="TextBox 7">
+              <a:extLst>
+                <a:ext uri="{FF2B5EF4-FFF2-40B4-BE49-F238E27FC236}">
+                  <a16:creationId xmlns:a16="http://schemas.microsoft.com/office/drawing/2014/main" id="{90B0109E-1358-674A-8A03-9DD76E12E9F3}"/>
+                </a:ext>
+              </a:extLst>
+            </p:cNvPr>
+            <p:cNvSpPr txBox="1"/>
+            <p:nvPr/>
+          </p:nvSpPr>
+          <p:spPr>
+            <a:xfrm rot="16200000">
+              <a:off x="-1098581" y="3946666"/>
+              <a:ext cx="3286125" cy="369332"/>
+            </a:xfrm>
+            <a:prstGeom prst="rect">
+              <a:avLst/>
+            </a:prstGeom>
+            <a:noFill/>
+          </p:spPr>
+          <p:txBody>
+            <a:bodyPr wrap="square" rtlCol="0">
+              <a:spAutoFit/>
+            </a:bodyPr>
+            <a:lstStyle/>
+            <a:p>
+              <a:pPr algn="ctr"/>
+              <a:r>
+                <a:rPr lang="en-US" b="1" dirty="0"/>
+                <a:t>Data Analysis Group</a:t>
+              </a:r>
+            </a:p>
+          </p:txBody>
+        </p:sp>
+        <p:sp>
+          <p:nvSpPr>
+            <p:cNvPr id="9" name="TextBox 8">
+              <a:extLst>
+                <a:ext uri="{FF2B5EF4-FFF2-40B4-BE49-F238E27FC236}">
+                  <a16:creationId xmlns:a16="http://schemas.microsoft.com/office/drawing/2014/main" id="{067F403F-C502-774A-B9D1-902EA59AB282}"/>
+                </a:ext>
+              </a:extLst>
+            </p:cNvPr>
+            <p:cNvSpPr txBox="1"/>
+            <p:nvPr/>
+          </p:nvSpPr>
+          <p:spPr>
+            <a:xfrm>
+              <a:off x="741768" y="2518697"/>
+              <a:ext cx="1843088" cy="338554"/>
+            </a:xfrm>
+            <a:prstGeom prst="rect">
+              <a:avLst/>
+            </a:prstGeom>
+            <a:noFill/>
+          </p:spPr>
+          <p:txBody>
+            <a:bodyPr wrap="square" rtlCol="0">
+              <a:spAutoFit/>
+            </a:bodyPr>
+            <a:lstStyle/>
+            <a:p>
+              <a:r>
+                <a:rPr lang="en-US" sz="1600" b="1" dirty="0"/>
+                <a:t>Data Analysts</a:t>
+              </a:r>
+            </a:p>
+          </p:txBody>
+        </p:sp>
+        <p:sp>
+          <p:nvSpPr>
+            <p:cNvPr id="10" name="TextBox 9">
+              <a:extLst>
+                <a:ext uri="{FF2B5EF4-FFF2-40B4-BE49-F238E27FC236}">
+                  <a16:creationId xmlns:a16="http://schemas.microsoft.com/office/drawing/2014/main" id="{15B3DA25-494E-334F-B139-C3CFBC566C7E}"/>
+                </a:ext>
+              </a:extLst>
+            </p:cNvPr>
+            <p:cNvSpPr txBox="1"/>
+            <p:nvPr/>
+          </p:nvSpPr>
+          <p:spPr>
+            <a:xfrm>
+              <a:off x="741767" y="2888029"/>
+              <a:ext cx="1843088" cy="830997"/>
+            </a:xfrm>
+            <a:prstGeom prst="rect">
+              <a:avLst/>
+            </a:prstGeom>
+            <a:noFill/>
+          </p:spPr>
+          <p:txBody>
+            <a:bodyPr wrap="square" rtlCol="0">
+              <a:spAutoFit/>
+            </a:bodyPr>
+            <a:lstStyle/>
+            <a:p>
+              <a:r>
+                <a:rPr lang="en-US" sz="1600" dirty="0"/>
+                <a:t>Dr. Jessie Li</a:t>
+              </a:r>
+            </a:p>
+            <a:p>
+              <a:r>
+                <a:rPr lang="en-US" sz="1600" dirty="0"/>
+                <a:t>Dr. Monica Britton</a:t>
+              </a:r>
+            </a:p>
+            <a:p>
+              <a:r>
+                <a:rPr lang="en-US" sz="1600" dirty="0"/>
+                <a:t>Nik Joshi (75%)</a:t>
+              </a:r>
+            </a:p>
+          </p:txBody>
+        </p:sp>
+        <p:sp>
+          <p:nvSpPr>
+            <p:cNvPr id="11" name="TextBox 10">
+              <a:extLst>
+                <a:ext uri="{FF2B5EF4-FFF2-40B4-BE49-F238E27FC236}">
+                  <a16:creationId xmlns:a16="http://schemas.microsoft.com/office/drawing/2014/main" id="{9C3814BD-0AE3-054B-A72A-34601EBC52A9}"/>
+                </a:ext>
+              </a:extLst>
+            </p:cNvPr>
+            <p:cNvSpPr txBox="1"/>
+            <p:nvPr/>
+          </p:nvSpPr>
+          <p:spPr>
+            <a:xfrm>
+              <a:off x="767251" y="3826534"/>
+              <a:ext cx="1843088" cy="338554"/>
+            </a:xfrm>
+            <a:prstGeom prst="rect">
+              <a:avLst/>
+            </a:prstGeom>
+            <a:noFill/>
+          </p:spPr>
+          <p:txBody>
+            <a:bodyPr wrap="square" rtlCol="0">
+              <a:spAutoFit/>
+            </a:bodyPr>
+            <a:lstStyle/>
+            <a:p>
+              <a:r>
+                <a:rPr lang="en-US" sz="1600" b="1" dirty="0"/>
+                <a:t>Biostatistics</a:t>
+              </a:r>
+            </a:p>
+          </p:txBody>
+        </p:sp>
+        <p:sp>
+          <p:nvSpPr>
+            <p:cNvPr id="12" name="TextBox 11">
+              <a:extLst>
+                <a:ext uri="{FF2B5EF4-FFF2-40B4-BE49-F238E27FC236}">
+                  <a16:creationId xmlns:a16="http://schemas.microsoft.com/office/drawing/2014/main" id="{66894648-8A6F-C243-B5A9-9A8DA547E0D5}"/>
+                </a:ext>
+              </a:extLst>
+            </p:cNvPr>
+            <p:cNvSpPr txBox="1"/>
+            <p:nvPr/>
+          </p:nvSpPr>
+          <p:spPr>
+            <a:xfrm>
+              <a:off x="778901" y="4166185"/>
+              <a:ext cx="3369887" cy="338554"/>
+            </a:xfrm>
+            <a:prstGeom prst="rect">
+              <a:avLst/>
+            </a:prstGeom>
+            <a:noFill/>
+          </p:spPr>
+          <p:txBody>
+            <a:bodyPr wrap="square" rtlCol="0">
+              <a:spAutoFit/>
+            </a:bodyPr>
+            <a:lstStyle/>
+            <a:p>
+              <a:r>
+                <a:rPr lang="en-US" sz="1600" dirty="0"/>
+                <a:t>Dr. Blythe Durbin-Johnson (40%)</a:t>
+              </a:r>
+            </a:p>
+          </p:txBody>
+        </p:sp>
+        <p:sp>
+          <p:nvSpPr>
+            <p:cNvPr id="13" name="TextBox 12">
+              <a:extLst>
+                <a:ext uri="{FF2B5EF4-FFF2-40B4-BE49-F238E27FC236}">
+                  <a16:creationId xmlns:a16="http://schemas.microsoft.com/office/drawing/2014/main" id="{B6B1AED1-716F-2148-BC8F-AB87EE43DBEC}"/>
+                </a:ext>
+              </a:extLst>
+            </p:cNvPr>
+            <p:cNvSpPr txBox="1"/>
+            <p:nvPr/>
+          </p:nvSpPr>
+          <p:spPr>
+            <a:xfrm>
+              <a:off x="826063" y="5379795"/>
+              <a:ext cx="2462730" cy="830997"/>
+            </a:xfrm>
+            <a:prstGeom prst="rect">
+              <a:avLst/>
+            </a:prstGeom>
+            <a:noFill/>
+          </p:spPr>
+          <p:txBody>
+            <a:bodyPr wrap="square" rtlCol="0">
+              <a:spAutoFit/>
+            </a:bodyPr>
+            <a:lstStyle/>
+            <a:p>
+              <a:r>
+                <a:rPr lang="en-US" sz="1600" dirty="0"/>
+                <a:t>Undergraduate assistant(s)</a:t>
+              </a:r>
+            </a:p>
+            <a:p>
+              <a:r>
+                <a:rPr lang="en-US" sz="1600" dirty="0"/>
+                <a:t>Volunteers</a:t>
+              </a:r>
+            </a:p>
+            <a:p>
+              <a:r>
+                <a:rPr lang="en-US" sz="1600" dirty="0"/>
+                <a:t>Visiting scholars</a:t>
+              </a:r>
+            </a:p>
+          </p:txBody>
+        </p:sp>
+        <p:sp>
+          <p:nvSpPr>
+            <p:cNvPr id="14" name="Rectangle 13">
+              <a:extLst>
+                <a:ext uri="{FF2B5EF4-FFF2-40B4-BE49-F238E27FC236}">
+                  <a16:creationId xmlns:a16="http://schemas.microsoft.com/office/drawing/2014/main" id="{DEC25D77-07CC-6C4B-9894-8BA18EE7A864}"/>
+                </a:ext>
+              </a:extLst>
+            </p:cNvPr>
+            <p:cNvSpPr/>
+            <p:nvPr/>
+          </p:nvSpPr>
+          <p:spPr>
+            <a:xfrm>
+              <a:off x="4418827" y="2285626"/>
+              <a:ext cx="3749039" cy="4207249"/>
+            </a:xfrm>
+            <a:prstGeom prst="rect">
+              <a:avLst/>
+            </a:prstGeom>
+            <a:solidFill>
+              <a:schemeClr val="accent6">
+                <a:alpha val="50000"/>
+              </a:schemeClr>
+            </a:solidFill>
+          </p:spPr>
+          <p:style>
+            <a:lnRef idx="2">
+              <a:schemeClr val="accent1">
+                <a:shade val="50000"/>
+              </a:schemeClr>
+            </a:lnRef>
+            <a:fillRef idx="1">
+              <a:schemeClr val="accent1"/>
+            </a:fillRef>
+            <a:effectRef idx="0">
+              <a:schemeClr val="accent1"/>
+            </a:effectRef>
+            <a:fontRef idx="minor">
+              <a:schemeClr val="lt1"/>
+            </a:fontRef>
+          </p:style>
+          <p:txBody>
+            <a:bodyPr rtlCol="0" anchor="ctr"/>
+            <a:lstStyle/>
+            <a:p>
+              <a:pPr algn="ctr"/>
+              <a:endParaRPr lang="en-US"/>
+            </a:p>
+          </p:txBody>
+        </p:sp>
+        <p:sp>
+          <p:nvSpPr>
+            <p:cNvPr id="15" name="TextBox 14">
+              <a:extLst>
+                <a:ext uri="{FF2B5EF4-FFF2-40B4-BE49-F238E27FC236}">
+                  <a16:creationId xmlns:a16="http://schemas.microsoft.com/office/drawing/2014/main" id="{D16FE3E0-006A-244E-A41D-DF4996D46B43}"/>
+                </a:ext>
+              </a:extLst>
+            </p:cNvPr>
+            <p:cNvSpPr txBox="1"/>
+            <p:nvPr/>
+          </p:nvSpPr>
+          <p:spPr>
+            <a:xfrm rot="16200000">
+              <a:off x="2946142" y="3946665"/>
+              <a:ext cx="3286125" cy="369332"/>
+            </a:xfrm>
+            <a:prstGeom prst="rect">
+              <a:avLst/>
+            </a:prstGeom>
+            <a:noFill/>
+          </p:spPr>
+          <p:txBody>
+            <a:bodyPr wrap="square" rtlCol="0">
+              <a:spAutoFit/>
+            </a:bodyPr>
+            <a:lstStyle/>
+            <a:p>
+              <a:pPr algn="ctr"/>
+              <a:r>
+                <a:rPr lang="en-US" b="1" dirty="0"/>
+                <a:t>Research Computing Group</a:t>
+              </a:r>
+            </a:p>
+          </p:txBody>
+        </p:sp>
+        <p:sp>
+          <p:nvSpPr>
+            <p:cNvPr id="16" name="TextBox 15">
+              <a:extLst>
+                <a:ext uri="{FF2B5EF4-FFF2-40B4-BE49-F238E27FC236}">
+                  <a16:creationId xmlns:a16="http://schemas.microsoft.com/office/drawing/2014/main" id="{8E2953AD-F8FC-C04F-B7A8-A4974D2F2852}"/>
+                </a:ext>
+              </a:extLst>
+            </p:cNvPr>
+            <p:cNvSpPr txBox="1"/>
+            <p:nvPr/>
+          </p:nvSpPr>
+          <p:spPr>
+            <a:xfrm>
+              <a:off x="4867275" y="2545708"/>
+              <a:ext cx="2917214" cy="338554"/>
+            </a:xfrm>
+            <a:prstGeom prst="rect">
+              <a:avLst/>
+            </a:prstGeom>
+            <a:noFill/>
+          </p:spPr>
+          <p:txBody>
+            <a:bodyPr wrap="square" rtlCol="0">
+              <a:spAutoFit/>
+            </a:bodyPr>
+            <a:lstStyle/>
+            <a:p>
+              <a:r>
+                <a:rPr lang="en-US" sz="1600" b="1" dirty="0"/>
+                <a:t>Systems Administration</a:t>
+              </a:r>
+            </a:p>
+          </p:txBody>
+        </p:sp>
+        <p:sp>
+          <p:nvSpPr>
+            <p:cNvPr id="17" name="TextBox 16">
+              <a:extLst>
+                <a:ext uri="{FF2B5EF4-FFF2-40B4-BE49-F238E27FC236}">
+                  <a16:creationId xmlns:a16="http://schemas.microsoft.com/office/drawing/2014/main" id="{FF6DA30C-17B2-0541-9BD1-63C02CA3C6BD}"/>
+                </a:ext>
+              </a:extLst>
+            </p:cNvPr>
+            <p:cNvSpPr txBox="1"/>
+            <p:nvPr/>
+          </p:nvSpPr>
+          <p:spPr>
+            <a:xfrm>
+              <a:off x="4867275" y="2888179"/>
+              <a:ext cx="2529094" cy="830997"/>
+            </a:xfrm>
+            <a:prstGeom prst="rect">
+              <a:avLst/>
+            </a:prstGeom>
+            <a:noFill/>
+          </p:spPr>
+          <p:txBody>
+            <a:bodyPr wrap="square" rtlCol="0">
+              <a:spAutoFit/>
+            </a:bodyPr>
+            <a:lstStyle/>
+            <a:p>
+              <a:r>
+                <a:rPr lang="en-US" sz="1600" dirty="0"/>
+                <a:t>Mike Lewis</a:t>
+              </a:r>
+            </a:p>
+            <a:p>
+              <a:r>
+                <a:rPr lang="en-US" sz="1600" dirty="0"/>
+                <a:t>Richard </a:t>
+              </a:r>
+              <a:r>
+                <a:rPr lang="en-US" sz="1600" dirty="0" err="1"/>
+                <a:t>Feltstykket</a:t>
+              </a:r>
+              <a:endParaRPr lang="en-US" sz="1600" dirty="0"/>
+            </a:p>
+            <a:p>
+              <a:r>
+                <a:rPr lang="en-US" sz="1600" dirty="0"/>
+                <a:t>Tom </a:t>
+              </a:r>
+              <a:r>
+                <a:rPr lang="en-US" sz="1600" dirty="0" err="1"/>
+                <a:t>Neubarth</a:t>
+              </a:r>
+              <a:endParaRPr lang="en-US" sz="1600" dirty="0"/>
+            </a:p>
+          </p:txBody>
+        </p:sp>
+        <p:sp>
+          <p:nvSpPr>
+            <p:cNvPr id="18" name="TextBox 17">
+              <a:extLst>
+                <a:ext uri="{FF2B5EF4-FFF2-40B4-BE49-F238E27FC236}">
+                  <a16:creationId xmlns:a16="http://schemas.microsoft.com/office/drawing/2014/main" id="{77179934-A3A9-B941-9F0E-0B13DDCD3BFB}"/>
+                </a:ext>
+              </a:extLst>
+            </p:cNvPr>
+            <p:cNvSpPr txBox="1"/>
+            <p:nvPr/>
+          </p:nvSpPr>
+          <p:spPr>
+            <a:xfrm>
+              <a:off x="4898822" y="4528328"/>
+              <a:ext cx="2529094" cy="338554"/>
+            </a:xfrm>
+            <a:prstGeom prst="rect">
+              <a:avLst/>
+            </a:prstGeom>
+            <a:noFill/>
+          </p:spPr>
+          <p:txBody>
+            <a:bodyPr wrap="square" rtlCol="0">
+              <a:spAutoFit/>
+            </a:bodyPr>
+            <a:lstStyle/>
+            <a:p>
+              <a:r>
+                <a:rPr lang="en-US" sz="1600" b="1" dirty="0"/>
+                <a:t>Applications</a:t>
+              </a:r>
+            </a:p>
+          </p:txBody>
+        </p:sp>
+        <p:sp>
+          <p:nvSpPr>
+            <p:cNvPr id="19" name="TextBox 18">
+              <a:extLst>
+                <a:ext uri="{FF2B5EF4-FFF2-40B4-BE49-F238E27FC236}">
+                  <a16:creationId xmlns:a16="http://schemas.microsoft.com/office/drawing/2014/main" id="{FB50B063-AEB3-8649-99A0-33FC7856FC44}"/>
+                </a:ext>
+              </a:extLst>
+            </p:cNvPr>
+            <p:cNvSpPr txBox="1"/>
+            <p:nvPr/>
+          </p:nvSpPr>
+          <p:spPr>
+            <a:xfrm>
+              <a:off x="4898822" y="4909345"/>
+              <a:ext cx="2529094" cy="338554"/>
+            </a:xfrm>
+            <a:prstGeom prst="rect">
+              <a:avLst/>
+            </a:prstGeom>
+            <a:noFill/>
+          </p:spPr>
+          <p:txBody>
+            <a:bodyPr wrap="square" rtlCol="0">
+              <a:spAutoFit/>
+            </a:bodyPr>
+            <a:lstStyle/>
+            <a:p>
+              <a:r>
+                <a:rPr lang="en-US" sz="1600" dirty="0"/>
+                <a:t>Adam </a:t>
+              </a:r>
+              <a:r>
+                <a:rPr lang="en-US" sz="1600" dirty="0" err="1"/>
+                <a:t>Schaal</a:t>
+              </a:r>
+              <a:r>
+                <a:rPr lang="en-US" sz="1600" dirty="0"/>
+                <a:t> (25%)</a:t>
+              </a:r>
+            </a:p>
+          </p:txBody>
+        </p:sp>
+        <p:sp>
+          <p:nvSpPr>
+            <p:cNvPr id="20" name="TextBox 19">
+              <a:extLst>
+                <a:ext uri="{FF2B5EF4-FFF2-40B4-BE49-F238E27FC236}">
+                  <a16:creationId xmlns:a16="http://schemas.microsoft.com/office/drawing/2014/main" id="{BEF4A959-AB41-2248-85A4-BDE21390B659}"/>
+                </a:ext>
+              </a:extLst>
+            </p:cNvPr>
+            <p:cNvSpPr txBox="1"/>
+            <p:nvPr/>
+          </p:nvSpPr>
+          <p:spPr>
+            <a:xfrm>
+              <a:off x="4867275" y="5379795"/>
+              <a:ext cx="2529094" cy="338554"/>
+            </a:xfrm>
+            <a:prstGeom prst="rect">
+              <a:avLst/>
+            </a:prstGeom>
+            <a:noFill/>
+          </p:spPr>
+          <p:txBody>
+            <a:bodyPr wrap="square" rtlCol="0">
+              <a:spAutoFit/>
+            </a:bodyPr>
+            <a:lstStyle/>
+            <a:p>
+              <a:r>
+                <a:rPr lang="en-US" sz="1600" dirty="0"/>
+                <a:t>Undergraduate assistant(s)</a:t>
+              </a:r>
+            </a:p>
+          </p:txBody>
+        </p:sp>
+        <p:sp>
+          <p:nvSpPr>
+            <p:cNvPr id="21" name="TextBox 20">
+              <a:extLst>
+                <a:ext uri="{FF2B5EF4-FFF2-40B4-BE49-F238E27FC236}">
+                  <a16:creationId xmlns:a16="http://schemas.microsoft.com/office/drawing/2014/main" id="{662B2F39-75E8-2D43-A065-753E0F673A22}"/>
+                </a:ext>
+              </a:extLst>
+            </p:cNvPr>
+            <p:cNvSpPr txBox="1"/>
+            <p:nvPr/>
+          </p:nvSpPr>
+          <p:spPr>
+            <a:xfrm>
+              <a:off x="4888739" y="3814349"/>
+              <a:ext cx="3113875" cy="338554"/>
+            </a:xfrm>
+            <a:prstGeom prst="rect">
+              <a:avLst/>
+            </a:prstGeom>
+            <a:noFill/>
+          </p:spPr>
+          <p:txBody>
+            <a:bodyPr wrap="square" rtlCol="0">
+              <a:spAutoFit/>
+            </a:bodyPr>
+            <a:lstStyle/>
+            <a:p>
+              <a:r>
+                <a:rPr lang="en-US" sz="1600" b="1" dirty="0"/>
+                <a:t>Software Maintenance</a:t>
+              </a:r>
+            </a:p>
+          </p:txBody>
+        </p:sp>
+        <p:sp>
+          <p:nvSpPr>
+            <p:cNvPr id="22" name="TextBox 21">
+              <a:extLst>
+                <a:ext uri="{FF2B5EF4-FFF2-40B4-BE49-F238E27FC236}">
+                  <a16:creationId xmlns:a16="http://schemas.microsoft.com/office/drawing/2014/main" id="{A50F990B-D24B-8F49-A083-BAEBC837B68D}"/>
+                </a:ext>
+              </a:extLst>
+            </p:cNvPr>
+            <p:cNvSpPr txBox="1"/>
+            <p:nvPr/>
+          </p:nvSpPr>
+          <p:spPr>
+            <a:xfrm>
+              <a:off x="4898822" y="4137480"/>
+              <a:ext cx="2529094" cy="338554"/>
+            </a:xfrm>
+            <a:prstGeom prst="rect">
+              <a:avLst/>
+            </a:prstGeom>
+            <a:noFill/>
+          </p:spPr>
+          <p:txBody>
+            <a:bodyPr wrap="square" rtlCol="0">
+              <a:spAutoFit/>
+            </a:bodyPr>
+            <a:lstStyle/>
+            <a:p>
+              <a:r>
+                <a:rPr lang="en-US" sz="1600" dirty="0"/>
+                <a:t>Nik Joshi (25%)</a:t>
+              </a:r>
+            </a:p>
+          </p:txBody>
+        </p:sp>
+        <p:sp>
+          <p:nvSpPr>
+            <p:cNvPr id="23" name="Rectangle 22">
+              <a:extLst>
+                <a:ext uri="{FF2B5EF4-FFF2-40B4-BE49-F238E27FC236}">
+                  <a16:creationId xmlns:a16="http://schemas.microsoft.com/office/drawing/2014/main" id="{99626AB6-B4EA-8E49-9AB3-D01C1EEAB44F}"/>
+                </a:ext>
+              </a:extLst>
+            </p:cNvPr>
+            <p:cNvSpPr/>
+            <p:nvPr/>
+          </p:nvSpPr>
+          <p:spPr>
+            <a:xfrm>
+              <a:off x="8373128" y="2263676"/>
+              <a:ext cx="3657600" cy="4207249"/>
+            </a:xfrm>
+            <a:prstGeom prst="rect">
+              <a:avLst/>
+            </a:prstGeom>
+            <a:solidFill>
+              <a:schemeClr val="accent2">
+                <a:alpha val="50000"/>
+              </a:schemeClr>
+            </a:solidFill>
+          </p:spPr>
+          <p:style>
+            <a:lnRef idx="2">
+              <a:schemeClr val="accent1">
+                <a:shade val="50000"/>
+              </a:schemeClr>
+            </a:lnRef>
+            <a:fillRef idx="1">
+              <a:schemeClr val="accent1"/>
+            </a:fillRef>
+            <a:effectRef idx="0">
+              <a:schemeClr val="accent1"/>
+            </a:effectRef>
+            <a:fontRef idx="minor">
+              <a:schemeClr val="lt1"/>
+            </a:fontRef>
+          </p:style>
+          <p:txBody>
+            <a:bodyPr rtlCol="0" anchor="ctr"/>
+            <a:lstStyle/>
+            <a:p>
+              <a:pPr algn="ctr"/>
+              <a:endParaRPr lang="en-US"/>
+            </a:p>
+          </p:txBody>
+        </p:sp>
+        <p:sp>
+          <p:nvSpPr>
+            <p:cNvPr id="24" name="TextBox 23">
+              <a:extLst>
+                <a:ext uri="{FF2B5EF4-FFF2-40B4-BE49-F238E27FC236}">
+                  <a16:creationId xmlns:a16="http://schemas.microsoft.com/office/drawing/2014/main" id="{10D0866A-A233-F940-BB0C-B4A2D323B327}"/>
+                </a:ext>
+              </a:extLst>
+            </p:cNvPr>
+            <p:cNvSpPr txBox="1"/>
+            <p:nvPr/>
+          </p:nvSpPr>
+          <p:spPr>
+            <a:xfrm rot="16200000">
+              <a:off x="6900444" y="3924715"/>
+              <a:ext cx="3286125" cy="369332"/>
+            </a:xfrm>
+            <a:prstGeom prst="rect">
+              <a:avLst/>
+            </a:prstGeom>
+            <a:noFill/>
+          </p:spPr>
+          <p:txBody>
+            <a:bodyPr wrap="square" rtlCol="0">
+              <a:spAutoFit/>
+            </a:bodyPr>
+            <a:lstStyle/>
+            <a:p>
+              <a:pPr algn="ctr"/>
+              <a:r>
+                <a:rPr lang="en-US" b="1" dirty="0"/>
+                <a:t>Software Development</a:t>
+              </a:r>
+            </a:p>
+          </p:txBody>
+        </p:sp>
+        <p:sp>
+          <p:nvSpPr>
+            <p:cNvPr id="25" name="TextBox 24">
+              <a:extLst>
+                <a:ext uri="{FF2B5EF4-FFF2-40B4-BE49-F238E27FC236}">
+                  <a16:creationId xmlns:a16="http://schemas.microsoft.com/office/drawing/2014/main" id="{58BD027E-C636-C542-9C59-7F641F1EF7B1}"/>
+                </a:ext>
+              </a:extLst>
+            </p:cNvPr>
+            <p:cNvSpPr txBox="1"/>
+            <p:nvPr/>
+          </p:nvSpPr>
+          <p:spPr>
+            <a:xfrm>
+              <a:off x="8824706" y="2486276"/>
+              <a:ext cx="2529094" cy="338554"/>
+            </a:xfrm>
+            <a:prstGeom prst="rect">
+              <a:avLst/>
+            </a:prstGeom>
+            <a:noFill/>
+          </p:spPr>
+          <p:txBody>
+            <a:bodyPr wrap="square" rtlCol="0">
+              <a:spAutoFit/>
+            </a:bodyPr>
+            <a:lstStyle/>
+            <a:p>
+              <a:r>
+                <a:rPr lang="en-US" sz="1600" b="1" dirty="0"/>
+                <a:t>Software</a:t>
+              </a:r>
+            </a:p>
+          </p:txBody>
+        </p:sp>
+        <p:sp>
+          <p:nvSpPr>
+            <p:cNvPr id="28" name="TextBox 27">
+              <a:extLst>
+                <a:ext uri="{FF2B5EF4-FFF2-40B4-BE49-F238E27FC236}">
+                  <a16:creationId xmlns:a16="http://schemas.microsoft.com/office/drawing/2014/main" id="{F04E2736-BE5A-A046-A13F-57C5F491110D}"/>
+                </a:ext>
+              </a:extLst>
+            </p:cNvPr>
+            <p:cNvSpPr txBox="1"/>
+            <p:nvPr/>
+          </p:nvSpPr>
+          <p:spPr>
+            <a:xfrm>
+              <a:off x="8824706" y="2826085"/>
+              <a:ext cx="2529094" cy="338554"/>
+            </a:xfrm>
+            <a:prstGeom prst="rect">
+              <a:avLst/>
+            </a:prstGeom>
+            <a:noFill/>
+          </p:spPr>
+          <p:txBody>
+            <a:bodyPr wrap="square" rtlCol="0">
+              <a:spAutoFit/>
+            </a:bodyPr>
+            <a:lstStyle/>
+            <a:p>
+              <a:r>
+                <a:rPr lang="en-US" sz="1600" dirty="0"/>
+                <a:t>Adam </a:t>
+              </a:r>
+              <a:r>
+                <a:rPr lang="en-US" sz="1600" dirty="0" err="1"/>
+                <a:t>Schaal</a:t>
+              </a:r>
+              <a:r>
+                <a:rPr lang="en-US" sz="1600" dirty="0"/>
+                <a:t> (75%)</a:t>
+              </a:r>
+            </a:p>
+          </p:txBody>
+        </p:sp>
         <p:sp>
           <p:nvSpPr>
             <p:cNvPr id="27" name="TextBox 26">
@@ -4300,8 +4284,8 @@
           </p:nvSpPr>
           <p:spPr>
             <a:xfrm>
-              <a:off x="1384874" y="4622362"/>
-              <a:ext cx="3433869" cy="338554"/>
+              <a:off x="783377" y="4589571"/>
+              <a:ext cx="3990494" cy="338554"/>
             </a:xfrm>
             <a:prstGeom prst="rect">
               <a:avLst/>
@@ -4335,7 +4319,7 @@
           </p:nvSpPr>
           <p:spPr>
             <a:xfrm>
-              <a:off x="1384876" y="4962018"/>
+              <a:off x="826063" y="4989332"/>
               <a:ext cx="3018874" cy="338554"/>
             </a:xfrm>
             <a:prstGeom prst="rect">
@@ -4356,39 +4340,39 @@
             </a:p>
           </p:txBody>
         </p:sp>
+        <p:sp>
+          <p:nvSpPr>
+            <p:cNvPr id="30" name="TextBox 29">
+              <a:extLst>
+                <a:ext uri="{FF2B5EF4-FFF2-40B4-BE49-F238E27FC236}">
+                  <a16:creationId xmlns:a16="http://schemas.microsoft.com/office/drawing/2014/main" id="{42DC3DD6-0856-CB45-BEC9-665A9A592F2E}"/>
+                </a:ext>
+              </a:extLst>
+            </p:cNvPr>
+            <p:cNvSpPr txBox="1"/>
+            <p:nvPr/>
+          </p:nvSpPr>
+          <p:spPr>
+            <a:xfrm>
+              <a:off x="2039817" y="1899138"/>
+              <a:ext cx="184731" cy="369332"/>
+            </a:xfrm>
+            <a:prstGeom prst="rect">
+              <a:avLst/>
+            </a:prstGeom>
+            <a:noFill/>
+          </p:spPr>
+          <p:txBody>
+            <a:bodyPr wrap="none" rtlCol="0">
+              <a:spAutoFit/>
+            </a:bodyPr>
+            <a:lstStyle/>
+            <a:p>
+              <a:endParaRPr lang="en-US" dirty="0"/>
+            </a:p>
+          </p:txBody>
+        </p:sp>
       </p:grpSp>
-      <p:sp>
-        <p:nvSpPr>
-          <p:cNvPr id="30" name="TextBox 29">
-            <a:extLst>
-              <a:ext uri="{FF2B5EF4-FFF2-40B4-BE49-F238E27FC236}">
-                <a16:creationId xmlns:a16="http://schemas.microsoft.com/office/drawing/2014/main" id="{42DC3DD6-0856-CB45-BEC9-665A9A592F2E}"/>
-              </a:ext>
-            </a:extLst>
-          </p:cNvPr>
-          <p:cNvSpPr txBox="1"/>
-          <p:nvPr/>
-        </p:nvSpPr>
-        <p:spPr>
-          <a:xfrm>
-            <a:off x="2344615" y="1899138"/>
-            <a:ext cx="184731" cy="369332"/>
-          </a:xfrm>
-          <a:prstGeom prst="rect">
-            <a:avLst/>
-          </a:prstGeom>
-          <a:noFill/>
-        </p:spPr>
-        <p:txBody>
-          <a:bodyPr wrap="none" rtlCol="0">
-            <a:spAutoFit/>
-          </a:bodyPr>
-          <a:lstStyle/>
-          <a:p>
-            <a:endParaRPr lang="en-US" dirty="0"/>
-          </a:p>
-        </p:txBody>
-      </p:sp>
     </p:spTree>
     <p:extLst>
       <p:ext uri="{BB962C8B-B14F-4D97-AF65-F5344CB8AC3E}">
